--- a/AWS/DeploymentStrategies.pptx
+++ b/AWS/DeploymentStrategies.pptx
@@ -13,9 +13,9 @@
     <p:sldId id="322" r:id="rId4"/>
     <p:sldId id="340" r:id="rId5"/>
     <p:sldId id="339" r:id="rId6"/>
-    <p:sldId id="264" r:id="rId7"/>
-    <p:sldId id="337" r:id="rId8"/>
-    <p:sldId id="338" r:id="rId9"/>
+    <p:sldId id="338" r:id="rId7"/>
+    <p:sldId id="264" r:id="rId8"/>
+    <p:sldId id="337" r:id="rId9"/>
   </p:sldIdLst>
   <p:sldSz cx="12192000" cy="6858000"/>
   <p:notesSz cx="6858000" cy="9144000"/>
@@ -204,7 +204,7 @@
           <a:p>
             <a:fld id="{34C307C2-D910-4122-9388-FE9DC4B9E077}" type="datetimeFigureOut">
               <a:rPr lang="en-IN" smtClean="0"/>
-              <a:t>07-12-2025</a:t>
+              <a:t>07-02-2026</a:t>
             </a:fld>
             <a:endParaRPr lang="en-IN"/>
           </a:p>
@@ -1025,7 +1025,7 @@
           <a:p>
             <a:fld id="{80B77DFC-8711-4557-8CA1-4C836922276B}" type="datetimeFigureOut">
               <a:rPr lang="en-IN" smtClean="0"/>
-              <a:t>07-12-2025</a:t>
+              <a:t>07-02-2026</a:t>
             </a:fld>
             <a:endParaRPr lang="en-IN"/>
           </a:p>
@@ -1225,7 +1225,7 @@
           <a:p>
             <a:fld id="{80B77DFC-8711-4557-8CA1-4C836922276B}" type="datetimeFigureOut">
               <a:rPr lang="en-IN" smtClean="0"/>
-              <a:t>07-12-2025</a:t>
+              <a:t>07-02-2026</a:t>
             </a:fld>
             <a:endParaRPr lang="en-IN"/>
           </a:p>
@@ -1435,7 +1435,7 @@
           <a:p>
             <a:fld id="{80B77DFC-8711-4557-8CA1-4C836922276B}" type="datetimeFigureOut">
               <a:rPr lang="en-IN" smtClean="0"/>
-              <a:t>07-12-2025</a:t>
+              <a:t>07-02-2026</a:t>
             </a:fld>
             <a:endParaRPr lang="en-IN"/>
           </a:p>
@@ -1635,7 +1635,7 @@
           <a:p>
             <a:fld id="{80B77DFC-8711-4557-8CA1-4C836922276B}" type="datetimeFigureOut">
               <a:rPr lang="en-IN" smtClean="0"/>
-              <a:t>07-12-2025</a:t>
+              <a:t>07-02-2026</a:t>
             </a:fld>
             <a:endParaRPr lang="en-IN"/>
           </a:p>
@@ -1911,7 +1911,7 @@
           <a:p>
             <a:fld id="{80B77DFC-8711-4557-8CA1-4C836922276B}" type="datetimeFigureOut">
               <a:rPr lang="en-IN" smtClean="0"/>
-              <a:t>07-12-2025</a:t>
+              <a:t>07-02-2026</a:t>
             </a:fld>
             <a:endParaRPr lang="en-IN"/>
           </a:p>
@@ -2179,7 +2179,7 @@
           <a:p>
             <a:fld id="{80B77DFC-8711-4557-8CA1-4C836922276B}" type="datetimeFigureOut">
               <a:rPr lang="en-IN" smtClean="0"/>
-              <a:t>07-12-2025</a:t>
+              <a:t>07-02-2026</a:t>
             </a:fld>
             <a:endParaRPr lang="en-IN"/>
           </a:p>
@@ -2594,7 +2594,7 @@
           <a:p>
             <a:fld id="{80B77DFC-8711-4557-8CA1-4C836922276B}" type="datetimeFigureOut">
               <a:rPr lang="en-IN" smtClean="0"/>
-              <a:t>07-12-2025</a:t>
+              <a:t>07-02-2026</a:t>
             </a:fld>
             <a:endParaRPr lang="en-IN"/>
           </a:p>
@@ -2736,7 +2736,7 @@
           <a:p>
             <a:fld id="{80B77DFC-8711-4557-8CA1-4C836922276B}" type="datetimeFigureOut">
               <a:rPr lang="en-IN" smtClean="0"/>
-              <a:t>07-12-2025</a:t>
+              <a:t>07-02-2026</a:t>
             </a:fld>
             <a:endParaRPr lang="en-IN"/>
           </a:p>
@@ -2849,7 +2849,7 @@
           <a:p>
             <a:fld id="{80B77DFC-8711-4557-8CA1-4C836922276B}" type="datetimeFigureOut">
               <a:rPr lang="en-IN" smtClean="0"/>
-              <a:t>07-12-2025</a:t>
+              <a:t>07-02-2026</a:t>
             </a:fld>
             <a:endParaRPr lang="en-IN"/>
           </a:p>
@@ -3162,7 +3162,7 @@
           <a:p>
             <a:fld id="{80B77DFC-8711-4557-8CA1-4C836922276B}" type="datetimeFigureOut">
               <a:rPr lang="en-IN" smtClean="0"/>
-              <a:t>07-12-2025</a:t>
+              <a:t>07-02-2026</a:t>
             </a:fld>
             <a:endParaRPr lang="en-IN"/>
           </a:p>
@@ -3451,7 +3451,7 @@
           <a:p>
             <a:fld id="{80B77DFC-8711-4557-8CA1-4C836922276B}" type="datetimeFigureOut">
               <a:rPr lang="en-IN" smtClean="0"/>
-              <a:t>07-12-2025</a:t>
+              <a:t>07-02-2026</a:t>
             </a:fld>
             <a:endParaRPr lang="en-IN"/>
           </a:p>
@@ -3694,7 +3694,7 @@
           <a:p>
             <a:fld id="{80B77DFC-8711-4557-8CA1-4C836922276B}" type="datetimeFigureOut">
               <a:rPr lang="en-IN" smtClean="0"/>
-              <a:t>07-12-2025</a:t>
+              <a:t>07-02-2026</a:t>
             </a:fld>
             <a:endParaRPr lang="en-IN"/>
           </a:p>
@@ -6989,6 +6989,537 @@
   <p:cSld>
     <p:spTree>
       <p:nvGrpSpPr>
+        <p:cNvPr id="1" name="">
+          <a:extLst>
+            <a:ext uri="{FF2B5EF4-FFF2-40B4-BE49-F238E27FC236}">
+              <a16:creationId xmlns:a16="http://schemas.microsoft.com/office/drawing/2014/main" id="{2151BFD8-E489-44D8-0D7A-261555B24AAA}"/>
+            </a:ext>
+          </a:extLst>
+        </p:cNvPr>
+        <p:cNvGrpSpPr/>
+        <p:nvPr/>
+      </p:nvGrpSpPr>
+      <p:grpSpPr>
+        <a:xfrm>
+          <a:off x="0" y="0"/>
+          <a:ext cx="0" cy="0"/>
+          <a:chOff x="0" y="0"/>
+          <a:chExt cx="0" cy="0"/>
+        </a:xfrm>
+      </p:grpSpPr>
+      <p:sp>
+        <p:nvSpPr>
+          <p:cNvPr id="2" name="TextBox 1">
+            <a:extLst>
+              <a:ext uri="{FF2B5EF4-FFF2-40B4-BE49-F238E27FC236}">
+                <a16:creationId xmlns:a16="http://schemas.microsoft.com/office/drawing/2014/main" id="{12919AC0-2569-F71E-A269-C919AF3A3BDB}"/>
+              </a:ext>
+            </a:extLst>
+          </p:cNvPr>
+          <p:cNvSpPr txBox="1"/>
+          <p:nvPr/>
+        </p:nvSpPr>
+        <p:spPr>
+          <a:xfrm>
+            <a:off x="457201" y="274321"/>
+            <a:ext cx="10308770" cy="646331"/>
+          </a:xfrm>
+          <a:prstGeom prst="rect">
+            <a:avLst/>
+          </a:prstGeom>
+          <a:noFill/>
+        </p:spPr>
+        <p:txBody>
+          <a:bodyPr wrap="square">
+            <a:spAutoFit/>
+          </a:bodyPr>
+          <a:lstStyle/>
+          <a:p>
+            <a:pPr>
+              <a:defRPr sz="3600" b="1">
+                <a:solidFill>
+                  <a:srgbClr val="232F3E"/>
+                </a:solidFill>
+              </a:defRPr>
+            </a:pPr>
+            <a:r>
+              <a:rPr lang="en-US" sz="3600" b="1" dirty="0"/>
+              <a:t>Rolling Deployments</a:t>
+            </a:r>
+            <a:endParaRPr lang="en-IN" sz="3600" dirty="0"/>
+          </a:p>
+        </p:txBody>
+      </p:sp>
+      <p:sp>
+        <p:nvSpPr>
+          <p:cNvPr id="4" name="TextBox 3">
+            <a:extLst>
+              <a:ext uri="{FF2B5EF4-FFF2-40B4-BE49-F238E27FC236}">
+                <a16:creationId xmlns:a16="http://schemas.microsoft.com/office/drawing/2014/main" id="{45191CC6-D90C-EDC6-0512-04F15DA3C69C}"/>
+              </a:ext>
+            </a:extLst>
+          </p:cNvPr>
+          <p:cNvSpPr txBox="1"/>
+          <p:nvPr/>
+        </p:nvSpPr>
+        <p:spPr>
+          <a:xfrm>
+            <a:off x="644646" y="1360712"/>
+            <a:ext cx="5320724" cy="5278368"/>
+          </a:xfrm>
+          <a:prstGeom prst="rect">
+            <a:avLst/>
+          </a:prstGeom>
+          <a:noFill/>
+        </p:spPr>
+        <p:txBody>
+          <a:bodyPr wrap="square">
+            <a:spAutoFit/>
+          </a:bodyPr>
+          <a:lstStyle/>
+          <a:p>
+            <a:pPr>
+              <a:spcBef>
+                <a:spcPts val="600"/>
+              </a:spcBef>
+            </a:pPr>
+            <a:r>
+              <a:rPr lang="en-US" sz="1400" b="1" dirty="0"/>
+              <a:t>Concept:</a:t>
+            </a:r>
+            <a:r>
+              <a:rPr lang="en-US" sz="1400" dirty="0"/>
+              <a:t> Gradually replace old instances/containers with new ones</a:t>
+            </a:r>
+          </a:p>
+          <a:p>
+            <a:pPr>
+              <a:spcBef>
+                <a:spcPts val="600"/>
+              </a:spcBef>
+            </a:pPr>
+            <a:endParaRPr lang="en-US" sz="1400" b="1" dirty="0"/>
+          </a:p>
+          <a:p>
+            <a:pPr>
+              <a:spcBef>
+                <a:spcPts val="600"/>
+              </a:spcBef>
+            </a:pPr>
+            <a:r>
+              <a:rPr lang="en-US" sz="1400" b="1" dirty="0"/>
+              <a:t>How it works:</a:t>
+            </a:r>
+            <a:endParaRPr lang="en-US" sz="1400" dirty="0"/>
+          </a:p>
+          <a:p>
+            <a:pPr marL="285750" indent="-285750">
+              <a:spcBef>
+                <a:spcPts val="600"/>
+              </a:spcBef>
+              <a:buFont typeface="Arial" panose="020B0604020202020204" pitchFamily="34" charset="0"/>
+              <a:buChar char="•"/>
+            </a:pPr>
+            <a:r>
+              <a:rPr lang="en-US" sz="1400" dirty="0"/>
+              <a:t>Keep minimum healthy capacity (e.g., 75%)</a:t>
+            </a:r>
+          </a:p>
+          <a:p>
+            <a:pPr marL="285750" indent="-285750">
+              <a:spcBef>
+                <a:spcPts val="600"/>
+              </a:spcBef>
+              <a:buFont typeface="Arial" panose="020B0604020202020204" pitchFamily="34" charset="0"/>
+              <a:buChar char="•"/>
+            </a:pPr>
+            <a:r>
+              <a:rPr lang="en-US" sz="1400" dirty="0"/>
+              <a:t>Stop 25% of old instances</a:t>
+            </a:r>
+          </a:p>
+          <a:p>
+            <a:pPr marL="285750" indent="-285750">
+              <a:spcBef>
+                <a:spcPts val="600"/>
+              </a:spcBef>
+              <a:buFont typeface="Arial" panose="020B0604020202020204" pitchFamily="34" charset="0"/>
+              <a:buChar char="•"/>
+            </a:pPr>
+            <a:r>
+              <a:rPr lang="en-US" sz="1400" dirty="0"/>
+              <a:t>Start 25% of new instances</a:t>
+            </a:r>
+          </a:p>
+          <a:p>
+            <a:pPr marL="285750" indent="-285750">
+              <a:spcBef>
+                <a:spcPts val="600"/>
+              </a:spcBef>
+              <a:buFont typeface="Arial" panose="020B0604020202020204" pitchFamily="34" charset="0"/>
+              <a:buChar char="•"/>
+            </a:pPr>
+            <a:r>
+              <a:rPr lang="en-US" sz="1400" dirty="0"/>
+              <a:t>Wait for health checks to pass</a:t>
+            </a:r>
+          </a:p>
+          <a:p>
+            <a:pPr marL="285750" indent="-285750">
+              <a:spcBef>
+                <a:spcPts val="600"/>
+              </a:spcBef>
+              <a:buFont typeface="Arial" panose="020B0604020202020204" pitchFamily="34" charset="0"/>
+              <a:buChar char="•"/>
+            </a:pPr>
+            <a:r>
+              <a:rPr lang="en-US" sz="1400" dirty="0"/>
+              <a:t>Repeat until all replaced</a:t>
+            </a:r>
+          </a:p>
+          <a:p>
+            <a:pPr marL="285750" indent="-285750">
+              <a:spcBef>
+                <a:spcPts val="600"/>
+              </a:spcBef>
+              <a:buFont typeface="Arial" panose="020B0604020202020204" pitchFamily="34" charset="0"/>
+              <a:buChar char="•"/>
+            </a:pPr>
+            <a:endParaRPr lang="en-US" sz="1400" dirty="0"/>
+          </a:p>
+          <a:p>
+            <a:pPr>
+              <a:spcBef>
+                <a:spcPts val="600"/>
+              </a:spcBef>
+            </a:pPr>
+            <a:r>
+              <a:rPr lang="en-US" sz="1400" b="1" dirty="0"/>
+              <a:t>Pros:</a:t>
+            </a:r>
+            <a:endParaRPr lang="en-US" sz="1400" dirty="0"/>
+          </a:p>
+          <a:p>
+            <a:pPr marL="285750" indent="-285750">
+              <a:spcBef>
+                <a:spcPts val="600"/>
+              </a:spcBef>
+              <a:buFont typeface="Arial" panose="020B0604020202020204" pitchFamily="34" charset="0"/>
+              <a:buChar char="•"/>
+            </a:pPr>
+            <a:r>
+              <a:rPr lang="en-US" sz="1400" dirty="0"/>
+              <a:t>No downtime</a:t>
+            </a:r>
+          </a:p>
+          <a:p>
+            <a:pPr marL="285750" indent="-285750">
+              <a:spcBef>
+                <a:spcPts val="600"/>
+              </a:spcBef>
+              <a:buFont typeface="Arial" panose="020B0604020202020204" pitchFamily="34" charset="0"/>
+              <a:buChar char="•"/>
+            </a:pPr>
+            <a:r>
+              <a:rPr lang="en-US" sz="1400" dirty="0"/>
+              <a:t>Controlled pace</a:t>
+            </a:r>
+          </a:p>
+          <a:p>
+            <a:pPr marL="285750" indent="-285750">
+              <a:spcBef>
+                <a:spcPts val="600"/>
+              </a:spcBef>
+              <a:buFont typeface="Arial" panose="020B0604020202020204" pitchFamily="34" charset="0"/>
+              <a:buChar char="•"/>
+            </a:pPr>
+            <a:r>
+              <a:rPr lang="en-US" sz="1400" dirty="0"/>
+              <a:t>No extra infrastructure needed</a:t>
+            </a:r>
+          </a:p>
+          <a:p>
+            <a:pPr marL="285750" indent="-285750">
+              <a:spcBef>
+                <a:spcPts val="600"/>
+              </a:spcBef>
+              <a:buFont typeface="Arial" panose="020B0604020202020204" pitchFamily="34" charset="0"/>
+              <a:buChar char="•"/>
+            </a:pPr>
+            <a:r>
+              <a:rPr lang="en-US" sz="1400" dirty="0"/>
+              <a:t>Easy to automate</a:t>
+            </a:r>
+          </a:p>
+          <a:p>
+            <a:pPr>
+              <a:spcBef>
+                <a:spcPts val="600"/>
+              </a:spcBef>
+            </a:pPr>
+            <a:endParaRPr lang="en-US" sz="1400" b="1" dirty="0"/>
+          </a:p>
+          <a:p>
+            <a:pPr>
+              <a:spcBef>
+                <a:spcPts val="600"/>
+              </a:spcBef>
+            </a:pPr>
+            <a:r>
+              <a:rPr lang="en-US" sz="1400" b="1" dirty="0"/>
+              <a:t>Cons:</a:t>
+            </a:r>
+            <a:endParaRPr lang="en-US" sz="1400" dirty="0"/>
+          </a:p>
+          <a:p>
+            <a:pPr marL="285750" indent="-285750">
+              <a:spcBef>
+                <a:spcPts val="600"/>
+              </a:spcBef>
+              <a:buFont typeface="Arial" panose="020B0604020202020204" pitchFamily="34" charset="0"/>
+              <a:buChar char="•"/>
+            </a:pPr>
+            <a:r>
+              <a:rPr lang="en-US" sz="1400" dirty="0"/>
+              <a:t>Old and new versions coexist temporarily</a:t>
+            </a:r>
+          </a:p>
+          <a:p>
+            <a:pPr marL="285750" indent="-285750">
+              <a:spcBef>
+                <a:spcPts val="600"/>
+              </a:spcBef>
+              <a:buFont typeface="Arial" panose="020B0604020202020204" pitchFamily="34" charset="0"/>
+              <a:buChar char="•"/>
+            </a:pPr>
+            <a:r>
+              <a:rPr lang="en-US" sz="1400" dirty="0"/>
+              <a:t>Not safe for breaking changes</a:t>
+            </a:r>
+          </a:p>
+        </p:txBody>
+      </p:sp>
+      <p:sp>
+        <p:nvSpPr>
+          <p:cNvPr id="3" name="TextBox 2">
+            <a:extLst>
+              <a:ext uri="{FF2B5EF4-FFF2-40B4-BE49-F238E27FC236}">
+                <a16:creationId xmlns:a16="http://schemas.microsoft.com/office/drawing/2014/main" id="{02CBA51C-774D-008B-4A2F-F5330E62258F}"/>
+              </a:ext>
+            </a:extLst>
+          </p:cNvPr>
+          <p:cNvSpPr txBox="1"/>
+          <p:nvPr/>
+        </p:nvSpPr>
+        <p:spPr>
+          <a:xfrm>
+            <a:off x="6096000" y="1295399"/>
+            <a:ext cx="5636411" cy="3816429"/>
+          </a:xfrm>
+          <a:prstGeom prst="rect">
+            <a:avLst/>
+          </a:prstGeom>
+          <a:noFill/>
+        </p:spPr>
+        <p:txBody>
+          <a:bodyPr wrap="square" rtlCol="0">
+            <a:spAutoFit/>
+          </a:bodyPr>
+          <a:lstStyle/>
+          <a:p>
+            <a:pPr>
+              <a:spcBef>
+                <a:spcPts val="600"/>
+              </a:spcBef>
+            </a:pPr>
+            <a:r>
+              <a:rPr lang="en-US" sz="1400" b="1" dirty="0"/>
+              <a:t>Implementations:</a:t>
+            </a:r>
+            <a:endParaRPr lang="en-US" sz="1400" dirty="0"/>
+          </a:p>
+          <a:p>
+            <a:pPr>
+              <a:spcBef>
+                <a:spcPts val="600"/>
+              </a:spcBef>
+            </a:pPr>
+            <a:r>
+              <a:rPr lang="en-US" sz="1400" b="1" dirty="0"/>
+              <a:t>a) EC2 Auto Scaling Group:</a:t>
+            </a:r>
+            <a:endParaRPr lang="en-US" sz="1400" dirty="0"/>
+          </a:p>
+          <a:p>
+            <a:pPr marL="285750" indent="-285750">
+              <a:spcBef>
+                <a:spcPts val="600"/>
+              </a:spcBef>
+              <a:buFont typeface="Arial" panose="020B0604020202020204" pitchFamily="34" charset="0"/>
+              <a:buChar char="•"/>
+            </a:pPr>
+            <a:r>
+              <a:rPr lang="en-US" sz="1400" dirty="0"/>
+              <a:t>Update Launch Template/Config with new AMI</a:t>
+            </a:r>
+          </a:p>
+          <a:p>
+            <a:pPr marL="285750" indent="-285750">
+              <a:spcBef>
+                <a:spcPts val="600"/>
+              </a:spcBef>
+              <a:buFont typeface="Arial" panose="020B0604020202020204" pitchFamily="34" charset="0"/>
+              <a:buChar char="•"/>
+            </a:pPr>
+            <a:r>
+              <a:rPr lang="en-US" sz="1400" dirty="0"/>
+              <a:t>Trigger instance refresh</a:t>
+            </a:r>
+          </a:p>
+          <a:p>
+            <a:pPr marL="285750" indent="-285750">
+              <a:spcBef>
+                <a:spcPts val="600"/>
+              </a:spcBef>
+              <a:buFont typeface="Arial" panose="020B0604020202020204" pitchFamily="34" charset="0"/>
+              <a:buChar char="•"/>
+            </a:pPr>
+            <a:r>
+              <a:rPr lang="en-US" sz="1400" dirty="0"/>
+              <a:t>ASG terminates old instances gradually</a:t>
+            </a:r>
+          </a:p>
+          <a:p>
+            <a:pPr marL="285750" indent="-285750">
+              <a:spcBef>
+                <a:spcPts val="600"/>
+              </a:spcBef>
+              <a:buFont typeface="Arial" panose="020B0604020202020204" pitchFamily="34" charset="0"/>
+              <a:buChar char="•"/>
+            </a:pPr>
+            <a:r>
+              <a:rPr lang="en-US" sz="1400" dirty="0"/>
+              <a:t>Launches new instances with new AMI</a:t>
+            </a:r>
+          </a:p>
+          <a:p>
+            <a:pPr marL="285750" indent="-285750">
+              <a:spcBef>
+                <a:spcPts val="600"/>
+              </a:spcBef>
+              <a:buFont typeface="Arial" panose="020B0604020202020204" pitchFamily="34" charset="0"/>
+              <a:buChar char="•"/>
+            </a:pPr>
+            <a:r>
+              <a:rPr lang="en-US" sz="1400" dirty="0"/>
+              <a:t>Respects minimum healthy capacity</a:t>
+            </a:r>
+          </a:p>
+          <a:p>
+            <a:pPr>
+              <a:spcBef>
+                <a:spcPts val="600"/>
+              </a:spcBef>
+            </a:pPr>
+            <a:endParaRPr lang="en-US" sz="1400" b="1" dirty="0"/>
+          </a:p>
+          <a:p>
+            <a:pPr>
+              <a:spcBef>
+                <a:spcPts val="600"/>
+              </a:spcBef>
+            </a:pPr>
+            <a:r>
+              <a:rPr lang="en-US" sz="1400" b="1" dirty="0"/>
+              <a:t>b) EKS Rolling Update:</a:t>
+            </a:r>
+            <a:endParaRPr lang="en-US" sz="1400" dirty="0"/>
+          </a:p>
+          <a:p>
+            <a:pPr marL="285750" indent="-285750">
+              <a:spcBef>
+                <a:spcPts val="600"/>
+              </a:spcBef>
+              <a:buFont typeface="Arial" panose="020B0604020202020204" pitchFamily="34" charset="0"/>
+              <a:buChar char="•"/>
+            </a:pPr>
+            <a:r>
+              <a:rPr lang="en-US" sz="1400" dirty="0"/>
+              <a:t>Update Deployment manifest with new image</a:t>
+            </a:r>
+          </a:p>
+          <a:p>
+            <a:pPr marL="285750" indent="-285750">
+              <a:spcBef>
+                <a:spcPts val="600"/>
+              </a:spcBef>
+              <a:buFont typeface="Arial" panose="020B0604020202020204" pitchFamily="34" charset="0"/>
+              <a:buChar char="•"/>
+            </a:pPr>
+            <a:r>
+              <a:rPr lang="en-US" sz="1400" dirty="0"/>
+              <a:t>Kubernetes gradually replaces pods</a:t>
+            </a:r>
+          </a:p>
+          <a:p>
+            <a:pPr marL="285750" indent="-285750">
+              <a:spcBef>
+                <a:spcPts val="600"/>
+              </a:spcBef>
+              <a:buFont typeface="Arial" panose="020B0604020202020204" pitchFamily="34" charset="0"/>
+              <a:buChar char="•"/>
+            </a:pPr>
+            <a:r>
+              <a:rPr lang="en-US" sz="1400" dirty="0"/>
+              <a:t>Configure </a:t>
+            </a:r>
+            <a:r>
+              <a:rPr lang="en-US" sz="1400" dirty="0" err="1"/>
+              <a:t>maxSurge</a:t>
+            </a:r>
+            <a:r>
+              <a:rPr lang="en-US" sz="1400" dirty="0"/>
+              <a:t> and </a:t>
+            </a:r>
+            <a:r>
+              <a:rPr lang="en-US" sz="1400" dirty="0" err="1"/>
+              <a:t>maxUnavailable</a:t>
+            </a:r>
+            <a:endParaRPr lang="en-US" sz="1400" dirty="0"/>
+          </a:p>
+          <a:p>
+            <a:pPr marL="285750" indent="-285750">
+              <a:spcBef>
+                <a:spcPts val="600"/>
+              </a:spcBef>
+              <a:buFont typeface="Arial" panose="020B0604020202020204" pitchFamily="34" charset="0"/>
+              <a:buChar char="•"/>
+            </a:pPr>
+            <a:r>
+              <a:rPr lang="en-US" sz="1400" dirty="0"/>
+              <a:t>Example: Replace 25% at a time</a:t>
+            </a:r>
+          </a:p>
+        </p:txBody>
+      </p:sp>
+    </p:spTree>
+    <p:extLst>
+      <p:ext uri="{BB962C8B-B14F-4D97-AF65-F5344CB8AC3E}">
+        <p14:creationId xmlns:p14="http://schemas.microsoft.com/office/powerpoint/2010/main" val="2107568399"/>
+      </p:ext>
+    </p:extLst>
+  </p:cSld>
+  <p:clrMapOvr>
+    <a:masterClrMapping/>
+  </p:clrMapOvr>
+</p:sld>
+</file>
+
+<file path=ppt/slides/slide7.xml><?xml version="1.0" encoding="utf-8"?>
+<p:sld xmlns:a="http://schemas.openxmlformats.org/drawingml/2006/main" xmlns:r="http://schemas.openxmlformats.org/officeDocument/2006/relationships" xmlns:p="http://schemas.openxmlformats.org/presentationml/2006/main">
+  <p:cSld>
+    <p:spTree>
+      <p:nvGrpSpPr>
         <p:cNvPr id="1" name=""/>
         <p:cNvGrpSpPr/>
         <p:nvPr/>
@@ -7539,7 +8070,7 @@
 </p:sld>
 </file>
 
-<file path=ppt/slides/slide7.xml><?xml version="1.0" encoding="utf-8"?>
+<file path=ppt/slides/slide8.xml><?xml version="1.0" encoding="utf-8"?>
 <p:sld xmlns:a="http://schemas.openxmlformats.org/drawingml/2006/main" xmlns:r="http://schemas.openxmlformats.org/officeDocument/2006/relationships" xmlns:p="http://schemas.openxmlformats.org/presentationml/2006/main">
   <p:cSld>
     <p:spTree>
@@ -8094,537 +8625,6 @@
     <p:extLst>
       <p:ext uri="{BB962C8B-B14F-4D97-AF65-F5344CB8AC3E}">
         <p14:creationId xmlns:p14="http://schemas.microsoft.com/office/powerpoint/2010/main" val="3340682465"/>
-      </p:ext>
-    </p:extLst>
-  </p:cSld>
-  <p:clrMapOvr>
-    <a:masterClrMapping/>
-  </p:clrMapOvr>
-</p:sld>
-</file>
-
-<file path=ppt/slides/slide8.xml><?xml version="1.0" encoding="utf-8"?>
-<p:sld xmlns:a="http://schemas.openxmlformats.org/drawingml/2006/main" xmlns:r="http://schemas.openxmlformats.org/officeDocument/2006/relationships" xmlns:p="http://schemas.openxmlformats.org/presentationml/2006/main">
-  <p:cSld>
-    <p:spTree>
-      <p:nvGrpSpPr>
-        <p:cNvPr id="1" name="">
-          <a:extLst>
-            <a:ext uri="{FF2B5EF4-FFF2-40B4-BE49-F238E27FC236}">
-              <a16:creationId xmlns:a16="http://schemas.microsoft.com/office/drawing/2014/main" id="{2151BFD8-E489-44D8-0D7A-261555B24AAA}"/>
-            </a:ext>
-          </a:extLst>
-        </p:cNvPr>
-        <p:cNvGrpSpPr/>
-        <p:nvPr/>
-      </p:nvGrpSpPr>
-      <p:grpSpPr>
-        <a:xfrm>
-          <a:off x="0" y="0"/>
-          <a:ext cx="0" cy="0"/>
-          <a:chOff x="0" y="0"/>
-          <a:chExt cx="0" cy="0"/>
-        </a:xfrm>
-      </p:grpSpPr>
-      <p:sp>
-        <p:nvSpPr>
-          <p:cNvPr id="2" name="TextBox 1">
-            <a:extLst>
-              <a:ext uri="{FF2B5EF4-FFF2-40B4-BE49-F238E27FC236}">
-                <a16:creationId xmlns:a16="http://schemas.microsoft.com/office/drawing/2014/main" id="{12919AC0-2569-F71E-A269-C919AF3A3BDB}"/>
-              </a:ext>
-            </a:extLst>
-          </p:cNvPr>
-          <p:cNvSpPr txBox="1"/>
-          <p:nvPr/>
-        </p:nvSpPr>
-        <p:spPr>
-          <a:xfrm>
-            <a:off x="457201" y="274321"/>
-            <a:ext cx="10308770" cy="646331"/>
-          </a:xfrm>
-          <a:prstGeom prst="rect">
-            <a:avLst/>
-          </a:prstGeom>
-          <a:noFill/>
-        </p:spPr>
-        <p:txBody>
-          <a:bodyPr wrap="square">
-            <a:spAutoFit/>
-          </a:bodyPr>
-          <a:lstStyle/>
-          <a:p>
-            <a:pPr>
-              <a:defRPr sz="3600" b="1">
-                <a:solidFill>
-                  <a:srgbClr val="232F3E"/>
-                </a:solidFill>
-              </a:defRPr>
-            </a:pPr>
-            <a:r>
-              <a:rPr lang="en-US" sz="3600" b="1" dirty="0"/>
-              <a:t>Rolling Deployments</a:t>
-            </a:r>
-            <a:endParaRPr lang="en-IN" sz="3600" dirty="0"/>
-          </a:p>
-        </p:txBody>
-      </p:sp>
-      <p:sp>
-        <p:nvSpPr>
-          <p:cNvPr id="4" name="TextBox 3">
-            <a:extLst>
-              <a:ext uri="{FF2B5EF4-FFF2-40B4-BE49-F238E27FC236}">
-                <a16:creationId xmlns:a16="http://schemas.microsoft.com/office/drawing/2014/main" id="{45191CC6-D90C-EDC6-0512-04F15DA3C69C}"/>
-              </a:ext>
-            </a:extLst>
-          </p:cNvPr>
-          <p:cNvSpPr txBox="1"/>
-          <p:nvPr/>
-        </p:nvSpPr>
-        <p:spPr>
-          <a:xfrm>
-            <a:off x="644646" y="1360712"/>
-            <a:ext cx="5320724" cy="5278368"/>
-          </a:xfrm>
-          <a:prstGeom prst="rect">
-            <a:avLst/>
-          </a:prstGeom>
-          <a:noFill/>
-        </p:spPr>
-        <p:txBody>
-          <a:bodyPr wrap="square">
-            <a:spAutoFit/>
-          </a:bodyPr>
-          <a:lstStyle/>
-          <a:p>
-            <a:pPr>
-              <a:spcBef>
-                <a:spcPts val="600"/>
-              </a:spcBef>
-            </a:pPr>
-            <a:r>
-              <a:rPr lang="en-US" sz="1400" b="1" dirty="0"/>
-              <a:t>Concept:</a:t>
-            </a:r>
-            <a:r>
-              <a:rPr lang="en-US" sz="1400" dirty="0"/>
-              <a:t> Gradually replace old instances/containers with new ones</a:t>
-            </a:r>
-          </a:p>
-          <a:p>
-            <a:pPr>
-              <a:spcBef>
-                <a:spcPts val="600"/>
-              </a:spcBef>
-            </a:pPr>
-            <a:endParaRPr lang="en-US" sz="1400" b="1" dirty="0"/>
-          </a:p>
-          <a:p>
-            <a:pPr>
-              <a:spcBef>
-                <a:spcPts val="600"/>
-              </a:spcBef>
-            </a:pPr>
-            <a:r>
-              <a:rPr lang="en-US" sz="1400" b="1" dirty="0"/>
-              <a:t>How it works:</a:t>
-            </a:r>
-            <a:endParaRPr lang="en-US" sz="1400" dirty="0"/>
-          </a:p>
-          <a:p>
-            <a:pPr marL="285750" indent="-285750">
-              <a:spcBef>
-                <a:spcPts val="600"/>
-              </a:spcBef>
-              <a:buFont typeface="Arial" panose="020B0604020202020204" pitchFamily="34" charset="0"/>
-              <a:buChar char="•"/>
-            </a:pPr>
-            <a:r>
-              <a:rPr lang="en-US" sz="1400" dirty="0"/>
-              <a:t>Keep minimum healthy capacity (e.g., 75%)</a:t>
-            </a:r>
-          </a:p>
-          <a:p>
-            <a:pPr marL="285750" indent="-285750">
-              <a:spcBef>
-                <a:spcPts val="600"/>
-              </a:spcBef>
-              <a:buFont typeface="Arial" panose="020B0604020202020204" pitchFamily="34" charset="0"/>
-              <a:buChar char="•"/>
-            </a:pPr>
-            <a:r>
-              <a:rPr lang="en-US" sz="1400" dirty="0"/>
-              <a:t>Stop 25% of old instances</a:t>
-            </a:r>
-          </a:p>
-          <a:p>
-            <a:pPr marL="285750" indent="-285750">
-              <a:spcBef>
-                <a:spcPts val="600"/>
-              </a:spcBef>
-              <a:buFont typeface="Arial" panose="020B0604020202020204" pitchFamily="34" charset="0"/>
-              <a:buChar char="•"/>
-            </a:pPr>
-            <a:r>
-              <a:rPr lang="en-US" sz="1400" dirty="0"/>
-              <a:t>Start 25% of new instances</a:t>
-            </a:r>
-          </a:p>
-          <a:p>
-            <a:pPr marL="285750" indent="-285750">
-              <a:spcBef>
-                <a:spcPts val="600"/>
-              </a:spcBef>
-              <a:buFont typeface="Arial" panose="020B0604020202020204" pitchFamily="34" charset="0"/>
-              <a:buChar char="•"/>
-            </a:pPr>
-            <a:r>
-              <a:rPr lang="en-US" sz="1400" dirty="0"/>
-              <a:t>Wait for health checks to pass</a:t>
-            </a:r>
-          </a:p>
-          <a:p>
-            <a:pPr marL="285750" indent="-285750">
-              <a:spcBef>
-                <a:spcPts val="600"/>
-              </a:spcBef>
-              <a:buFont typeface="Arial" panose="020B0604020202020204" pitchFamily="34" charset="0"/>
-              <a:buChar char="•"/>
-            </a:pPr>
-            <a:r>
-              <a:rPr lang="en-US" sz="1400" dirty="0"/>
-              <a:t>Repeat until all replaced</a:t>
-            </a:r>
-          </a:p>
-          <a:p>
-            <a:pPr marL="285750" indent="-285750">
-              <a:spcBef>
-                <a:spcPts val="600"/>
-              </a:spcBef>
-              <a:buFont typeface="Arial" panose="020B0604020202020204" pitchFamily="34" charset="0"/>
-              <a:buChar char="•"/>
-            </a:pPr>
-            <a:endParaRPr lang="en-US" sz="1400" dirty="0"/>
-          </a:p>
-          <a:p>
-            <a:pPr>
-              <a:spcBef>
-                <a:spcPts val="600"/>
-              </a:spcBef>
-            </a:pPr>
-            <a:r>
-              <a:rPr lang="en-US" sz="1400" b="1" dirty="0"/>
-              <a:t>Pros:</a:t>
-            </a:r>
-            <a:endParaRPr lang="en-US" sz="1400" dirty="0"/>
-          </a:p>
-          <a:p>
-            <a:pPr marL="285750" indent="-285750">
-              <a:spcBef>
-                <a:spcPts val="600"/>
-              </a:spcBef>
-              <a:buFont typeface="Arial" panose="020B0604020202020204" pitchFamily="34" charset="0"/>
-              <a:buChar char="•"/>
-            </a:pPr>
-            <a:r>
-              <a:rPr lang="en-US" sz="1400" dirty="0"/>
-              <a:t>No downtime</a:t>
-            </a:r>
-          </a:p>
-          <a:p>
-            <a:pPr marL="285750" indent="-285750">
-              <a:spcBef>
-                <a:spcPts val="600"/>
-              </a:spcBef>
-              <a:buFont typeface="Arial" panose="020B0604020202020204" pitchFamily="34" charset="0"/>
-              <a:buChar char="•"/>
-            </a:pPr>
-            <a:r>
-              <a:rPr lang="en-US" sz="1400" dirty="0"/>
-              <a:t>Controlled pace</a:t>
-            </a:r>
-          </a:p>
-          <a:p>
-            <a:pPr marL="285750" indent="-285750">
-              <a:spcBef>
-                <a:spcPts val="600"/>
-              </a:spcBef>
-              <a:buFont typeface="Arial" panose="020B0604020202020204" pitchFamily="34" charset="0"/>
-              <a:buChar char="•"/>
-            </a:pPr>
-            <a:r>
-              <a:rPr lang="en-US" sz="1400" dirty="0"/>
-              <a:t>No extra infrastructure needed</a:t>
-            </a:r>
-          </a:p>
-          <a:p>
-            <a:pPr marL="285750" indent="-285750">
-              <a:spcBef>
-                <a:spcPts val="600"/>
-              </a:spcBef>
-              <a:buFont typeface="Arial" panose="020B0604020202020204" pitchFamily="34" charset="0"/>
-              <a:buChar char="•"/>
-            </a:pPr>
-            <a:r>
-              <a:rPr lang="en-US" sz="1400" dirty="0"/>
-              <a:t>Easy to automate</a:t>
-            </a:r>
-          </a:p>
-          <a:p>
-            <a:pPr>
-              <a:spcBef>
-                <a:spcPts val="600"/>
-              </a:spcBef>
-            </a:pPr>
-            <a:endParaRPr lang="en-US" sz="1400" b="1" dirty="0"/>
-          </a:p>
-          <a:p>
-            <a:pPr>
-              <a:spcBef>
-                <a:spcPts val="600"/>
-              </a:spcBef>
-            </a:pPr>
-            <a:r>
-              <a:rPr lang="en-US" sz="1400" b="1" dirty="0"/>
-              <a:t>Cons:</a:t>
-            </a:r>
-            <a:endParaRPr lang="en-US" sz="1400" dirty="0"/>
-          </a:p>
-          <a:p>
-            <a:pPr marL="285750" indent="-285750">
-              <a:spcBef>
-                <a:spcPts val="600"/>
-              </a:spcBef>
-              <a:buFont typeface="Arial" panose="020B0604020202020204" pitchFamily="34" charset="0"/>
-              <a:buChar char="•"/>
-            </a:pPr>
-            <a:r>
-              <a:rPr lang="en-US" sz="1400" dirty="0"/>
-              <a:t>Old and new versions coexist temporarily</a:t>
-            </a:r>
-          </a:p>
-          <a:p>
-            <a:pPr marL="285750" indent="-285750">
-              <a:spcBef>
-                <a:spcPts val="600"/>
-              </a:spcBef>
-              <a:buFont typeface="Arial" panose="020B0604020202020204" pitchFamily="34" charset="0"/>
-              <a:buChar char="•"/>
-            </a:pPr>
-            <a:r>
-              <a:rPr lang="en-US" sz="1400" dirty="0"/>
-              <a:t>Not safe for breaking changes</a:t>
-            </a:r>
-          </a:p>
-        </p:txBody>
-      </p:sp>
-      <p:sp>
-        <p:nvSpPr>
-          <p:cNvPr id="3" name="TextBox 2">
-            <a:extLst>
-              <a:ext uri="{FF2B5EF4-FFF2-40B4-BE49-F238E27FC236}">
-                <a16:creationId xmlns:a16="http://schemas.microsoft.com/office/drawing/2014/main" id="{02CBA51C-774D-008B-4A2F-F5330E62258F}"/>
-              </a:ext>
-            </a:extLst>
-          </p:cNvPr>
-          <p:cNvSpPr txBox="1"/>
-          <p:nvPr/>
-        </p:nvSpPr>
-        <p:spPr>
-          <a:xfrm>
-            <a:off x="6096000" y="1295399"/>
-            <a:ext cx="5636411" cy="3816429"/>
-          </a:xfrm>
-          <a:prstGeom prst="rect">
-            <a:avLst/>
-          </a:prstGeom>
-          <a:noFill/>
-        </p:spPr>
-        <p:txBody>
-          <a:bodyPr wrap="square" rtlCol="0">
-            <a:spAutoFit/>
-          </a:bodyPr>
-          <a:lstStyle/>
-          <a:p>
-            <a:pPr>
-              <a:spcBef>
-                <a:spcPts val="600"/>
-              </a:spcBef>
-            </a:pPr>
-            <a:r>
-              <a:rPr lang="en-US" sz="1400" b="1" dirty="0"/>
-              <a:t>Implementations:</a:t>
-            </a:r>
-            <a:endParaRPr lang="en-US" sz="1400" dirty="0"/>
-          </a:p>
-          <a:p>
-            <a:pPr>
-              <a:spcBef>
-                <a:spcPts val="600"/>
-              </a:spcBef>
-            </a:pPr>
-            <a:r>
-              <a:rPr lang="en-US" sz="1400" b="1" dirty="0"/>
-              <a:t>a) EC2 Auto Scaling Group:</a:t>
-            </a:r>
-            <a:endParaRPr lang="en-US" sz="1400" dirty="0"/>
-          </a:p>
-          <a:p>
-            <a:pPr marL="285750" indent="-285750">
-              <a:spcBef>
-                <a:spcPts val="600"/>
-              </a:spcBef>
-              <a:buFont typeface="Arial" panose="020B0604020202020204" pitchFamily="34" charset="0"/>
-              <a:buChar char="•"/>
-            </a:pPr>
-            <a:r>
-              <a:rPr lang="en-US" sz="1400" dirty="0"/>
-              <a:t>Update Launch Template/Config with new AMI</a:t>
-            </a:r>
-          </a:p>
-          <a:p>
-            <a:pPr marL="285750" indent="-285750">
-              <a:spcBef>
-                <a:spcPts val="600"/>
-              </a:spcBef>
-              <a:buFont typeface="Arial" panose="020B0604020202020204" pitchFamily="34" charset="0"/>
-              <a:buChar char="•"/>
-            </a:pPr>
-            <a:r>
-              <a:rPr lang="en-US" sz="1400" dirty="0"/>
-              <a:t>Trigger instance refresh</a:t>
-            </a:r>
-          </a:p>
-          <a:p>
-            <a:pPr marL="285750" indent="-285750">
-              <a:spcBef>
-                <a:spcPts val="600"/>
-              </a:spcBef>
-              <a:buFont typeface="Arial" panose="020B0604020202020204" pitchFamily="34" charset="0"/>
-              <a:buChar char="•"/>
-            </a:pPr>
-            <a:r>
-              <a:rPr lang="en-US" sz="1400" dirty="0"/>
-              <a:t>ASG terminates old instances gradually</a:t>
-            </a:r>
-          </a:p>
-          <a:p>
-            <a:pPr marL="285750" indent="-285750">
-              <a:spcBef>
-                <a:spcPts val="600"/>
-              </a:spcBef>
-              <a:buFont typeface="Arial" panose="020B0604020202020204" pitchFamily="34" charset="0"/>
-              <a:buChar char="•"/>
-            </a:pPr>
-            <a:r>
-              <a:rPr lang="en-US" sz="1400" dirty="0"/>
-              <a:t>Launches new instances with new AMI</a:t>
-            </a:r>
-          </a:p>
-          <a:p>
-            <a:pPr marL="285750" indent="-285750">
-              <a:spcBef>
-                <a:spcPts val="600"/>
-              </a:spcBef>
-              <a:buFont typeface="Arial" panose="020B0604020202020204" pitchFamily="34" charset="0"/>
-              <a:buChar char="•"/>
-            </a:pPr>
-            <a:r>
-              <a:rPr lang="en-US" sz="1400" dirty="0"/>
-              <a:t>Respects minimum healthy capacity</a:t>
-            </a:r>
-          </a:p>
-          <a:p>
-            <a:pPr>
-              <a:spcBef>
-                <a:spcPts val="600"/>
-              </a:spcBef>
-            </a:pPr>
-            <a:endParaRPr lang="en-US" sz="1400" b="1" dirty="0"/>
-          </a:p>
-          <a:p>
-            <a:pPr>
-              <a:spcBef>
-                <a:spcPts val="600"/>
-              </a:spcBef>
-            </a:pPr>
-            <a:r>
-              <a:rPr lang="en-US" sz="1400" b="1" dirty="0"/>
-              <a:t>b) EKS Rolling Update:</a:t>
-            </a:r>
-            <a:endParaRPr lang="en-US" sz="1400" dirty="0"/>
-          </a:p>
-          <a:p>
-            <a:pPr marL="285750" indent="-285750">
-              <a:spcBef>
-                <a:spcPts val="600"/>
-              </a:spcBef>
-              <a:buFont typeface="Arial" panose="020B0604020202020204" pitchFamily="34" charset="0"/>
-              <a:buChar char="•"/>
-            </a:pPr>
-            <a:r>
-              <a:rPr lang="en-US" sz="1400" dirty="0"/>
-              <a:t>Update Deployment manifest with new image</a:t>
-            </a:r>
-          </a:p>
-          <a:p>
-            <a:pPr marL="285750" indent="-285750">
-              <a:spcBef>
-                <a:spcPts val="600"/>
-              </a:spcBef>
-              <a:buFont typeface="Arial" panose="020B0604020202020204" pitchFamily="34" charset="0"/>
-              <a:buChar char="•"/>
-            </a:pPr>
-            <a:r>
-              <a:rPr lang="en-US" sz="1400" dirty="0"/>
-              <a:t>Kubernetes gradually replaces pods</a:t>
-            </a:r>
-          </a:p>
-          <a:p>
-            <a:pPr marL="285750" indent="-285750">
-              <a:spcBef>
-                <a:spcPts val="600"/>
-              </a:spcBef>
-              <a:buFont typeface="Arial" panose="020B0604020202020204" pitchFamily="34" charset="0"/>
-              <a:buChar char="•"/>
-            </a:pPr>
-            <a:r>
-              <a:rPr lang="en-US" sz="1400" dirty="0"/>
-              <a:t>Configure </a:t>
-            </a:r>
-            <a:r>
-              <a:rPr lang="en-US" sz="1400" dirty="0" err="1"/>
-              <a:t>maxSurge</a:t>
-            </a:r>
-            <a:r>
-              <a:rPr lang="en-US" sz="1400" dirty="0"/>
-              <a:t> and </a:t>
-            </a:r>
-            <a:r>
-              <a:rPr lang="en-US" sz="1400" dirty="0" err="1"/>
-              <a:t>maxUnavailable</a:t>
-            </a:r>
-            <a:endParaRPr lang="en-US" sz="1400" dirty="0"/>
-          </a:p>
-          <a:p>
-            <a:pPr marL="285750" indent="-285750">
-              <a:spcBef>
-                <a:spcPts val="600"/>
-              </a:spcBef>
-              <a:buFont typeface="Arial" panose="020B0604020202020204" pitchFamily="34" charset="0"/>
-              <a:buChar char="•"/>
-            </a:pPr>
-            <a:r>
-              <a:rPr lang="en-US" sz="1400" dirty="0"/>
-              <a:t>Example: Replace 25% at a time</a:t>
-            </a:r>
-          </a:p>
-        </p:txBody>
-      </p:sp>
-    </p:spTree>
-    <p:extLst>
-      <p:ext uri="{BB962C8B-B14F-4D97-AF65-F5344CB8AC3E}">
-        <p14:creationId xmlns:p14="http://schemas.microsoft.com/office/powerpoint/2010/main" val="2107568399"/>
       </p:ext>
     </p:extLst>
   </p:cSld>
